--- a/화면 설계서/번호.pptx
+++ b/화면 설계서/번호.pptx
@@ -3921,6 +3921,184 @@
           </a:p>
         </p:txBody>
       </p:sp>
+      <p:sp>
+        <p:nvSpPr>
+          <p:cNvPr id="3" name="순서도: 연결자 2">
+            <a:extLst>
+              <a:ext uri="{FF2B5EF4-FFF2-40B4-BE49-F238E27FC236}">
+                <a16:creationId xmlns:a16="http://schemas.microsoft.com/office/drawing/2014/main" id="{3497790B-E52E-9C93-F1AA-D4B95927BBD9}"/>
+              </a:ext>
+            </a:extLst>
+          </p:cNvPr>
+          <p:cNvSpPr/>
+          <p:nvPr/>
+        </p:nvSpPr>
+        <p:spPr>
+          <a:xfrm>
+            <a:off x="1468866" y="4449490"/>
+            <a:ext cx="156117" cy="161693"/>
+          </a:xfrm>
+          <a:prstGeom prst="flowChartConnector">
+            <a:avLst/>
+          </a:prstGeom>
+          <a:solidFill>
+            <a:srgbClr val="FFFF00"/>
+          </a:solidFill>
+        </p:spPr>
+        <p:style>
+          <a:lnRef idx="2">
+            <a:schemeClr val="accent4">
+              <a:shade val="15000"/>
+            </a:schemeClr>
+          </a:lnRef>
+          <a:fillRef idx="1">
+            <a:schemeClr val="accent4"/>
+          </a:fillRef>
+          <a:effectRef idx="0">
+            <a:schemeClr val="accent4"/>
+          </a:effectRef>
+          <a:fontRef idx="minor">
+            <a:schemeClr val="lt1"/>
+          </a:fontRef>
+        </p:style>
+        <p:txBody>
+          <a:bodyPr rtlCol="0" anchor="ctr"/>
+          <a:lstStyle/>
+          <a:p>
+            <a:pPr algn="ctr"/>
+            <a:endParaRPr lang="ko-KR" altLang="en-US" sz="1000">
+              <a:solidFill>
+                <a:schemeClr val="tx1"/>
+              </a:solidFill>
+            </a:endParaRPr>
+          </a:p>
+        </p:txBody>
+      </p:sp>
+      <p:sp>
+        <p:nvSpPr>
+          <p:cNvPr id="13" name="순서도: 연결자 12">
+            <a:extLst>
+              <a:ext uri="{FF2B5EF4-FFF2-40B4-BE49-F238E27FC236}">
+                <a16:creationId xmlns:a16="http://schemas.microsoft.com/office/drawing/2014/main" id="{ED804171-4B50-E70D-449D-D5BF9EBA92ED}"/>
+              </a:ext>
+            </a:extLst>
+          </p:cNvPr>
+          <p:cNvSpPr/>
+          <p:nvPr/>
+        </p:nvSpPr>
+        <p:spPr>
+          <a:xfrm>
+            <a:off x="2923627" y="5014453"/>
+            <a:ext cx="167635" cy="186844"/>
+          </a:xfrm>
+          <a:prstGeom prst="flowChartConnector">
+            <a:avLst/>
+          </a:prstGeom>
+          <a:solidFill>
+            <a:srgbClr val="FFFF00"/>
+          </a:solidFill>
+        </p:spPr>
+        <p:style>
+          <a:lnRef idx="2">
+            <a:schemeClr val="accent4">
+              <a:shade val="15000"/>
+            </a:schemeClr>
+          </a:lnRef>
+          <a:fillRef idx="1">
+            <a:schemeClr val="accent4"/>
+          </a:fillRef>
+          <a:effectRef idx="0">
+            <a:schemeClr val="accent4"/>
+          </a:effectRef>
+          <a:fontRef idx="minor">
+            <a:schemeClr val="lt1"/>
+          </a:fontRef>
+        </p:style>
+        <p:txBody>
+          <a:bodyPr rtlCol="0" anchor="ctr"/>
+          <a:lstStyle/>
+          <a:p>
+            <a:pPr algn="ctr"/>
+            <a:endParaRPr lang="ko-KR" altLang="en-US" sz="1000">
+              <a:solidFill>
+                <a:schemeClr val="tx1"/>
+              </a:solidFill>
+            </a:endParaRPr>
+          </a:p>
+        </p:txBody>
+      </p:sp>
+      <p:sp>
+        <p:nvSpPr>
+          <p:cNvPr id="14" name="TextBox 13">
+            <a:extLst>
+              <a:ext uri="{FF2B5EF4-FFF2-40B4-BE49-F238E27FC236}">
+                <a16:creationId xmlns:a16="http://schemas.microsoft.com/office/drawing/2014/main" id="{2AC782C5-D199-ABB6-83F7-A372A4E89743}"/>
+              </a:ext>
+            </a:extLst>
+          </p:cNvPr>
+          <p:cNvSpPr txBox="1"/>
+          <p:nvPr/>
+        </p:nvSpPr>
+        <p:spPr>
+          <a:xfrm>
+            <a:off x="1370302" y="4407225"/>
+            <a:ext cx="395257" cy="246221"/>
+          </a:xfrm>
+          <a:prstGeom prst="rect">
+            <a:avLst/>
+          </a:prstGeom>
+          <a:noFill/>
+        </p:spPr>
+        <p:txBody>
+          <a:bodyPr wrap="square" rtlCol="0">
+            <a:spAutoFit/>
+          </a:bodyPr>
+          <a:lstStyle/>
+          <a:p>
+            <a:r>
+              <a:rPr lang="en-US" altLang="ko-KR" sz="1000"/>
+              <a:t>10</a:t>
+            </a:r>
+            <a:endParaRPr lang="ko-KR" altLang="en-US" sz="1000"/>
+          </a:p>
+        </p:txBody>
+      </p:sp>
+      <p:sp>
+        <p:nvSpPr>
+          <p:cNvPr id="16" name="TextBox 15">
+            <a:extLst>
+              <a:ext uri="{FF2B5EF4-FFF2-40B4-BE49-F238E27FC236}">
+                <a16:creationId xmlns:a16="http://schemas.microsoft.com/office/drawing/2014/main" id="{21D9E79E-5B5A-B631-69B9-772FED39D9C2}"/>
+              </a:ext>
+            </a:extLst>
+          </p:cNvPr>
+          <p:cNvSpPr txBox="1"/>
+          <p:nvPr/>
+        </p:nvSpPr>
+        <p:spPr>
+          <a:xfrm>
+            <a:off x="2841738" y="4984764"/>
+            <a:ext cx="331411" cy="246221"/>
+          </a:xfrm>
+          <a:prstGeom prst="rect">
+            <a:avLst/>
+          </a:prstGeom>
+          <a:noFill/>
+        </p:spPr>
+        <p:txBody>
+          <a:bodyPr wrap="square" rtlCol="0">
+            <a:spAutoFit/>
+          </a:bodyPr>
+          <a:lstStyle/>
+          <a:p>
+            <a:r>
+              <a:rPr lang="en-US" altLang="ko-KR" sz="1000"/>
+              <a:t>11</a:t>
+            </a:r>
+            <a:endParaRPr lang="ko-KR" altLang="en-US" sz="1000"/>
+          </a:p>
+        </p:txBody>
+      </p:sp>
     </p:spTree>
     <p:extLst>
       <p:ext uri="{BB962C8B-B14F-4D97-AF65-F5344CB8AC3E}">
